--- a/docs/presentation/re-planning.pptx
+++ b/docs/presentation/re-planning.pptx
@@ -4747,39 +4747,8 @@
             <a:pPr lvl="2"/>
             <a:r>
               <a:rPr lang="en-US" dirty="0" smtClean="0"/>
-              <a:t>Bigger worlds? (waypoints are </a:t>
-            </a:r>
-            <a:r>
-              <a:rPr lang="en-US" smtClean="0"/>
-              <a:t>more valuable)</a:t>
-            </a:r>
-            <a:endParaRPr lang="en-US" dirty="0" smtClean="0"/>
-          </a:p>
-        </p:txBody>
-      </p:sp>
-      <p:sp>
-        <p:nvSpPr>
-          <p:cNvPr id="4" name="TextBox 3"/>
-          <p:cNvSpPr txBox="1"/>
-          <p:nvPr/>
-        </p:nvSpPr>
-        <p:spPr>
-          <a:xfrm>
-            <a:off x="9093200" y="5219700"/>
-            <a:ext cx="184666" cy="369332"/>
-          </a:xfrm>
-          <a:prstGeom prst="rect">
-            <a:avLst/>
-          </a:prstGeom>
-          <a:noFill/>
-        </p:spPr>
-        <p:txBody>
-          <a:bodyPr wrap="none" rtlCol="0">
-            <a:spAutoFit/>
-          </a:bodyPr>
-          <a:lstStyle/>
-          <a:p>
-            <a:endParaRPr lang="en-US"/>
+              <a:t>Bigger worlds? (waypoints are more valuable)</a:t>
+            </a:r>
           </a:p>
         </p:txBody>
       </p:sp>
